--- a/presentation/אפליקצית שליטה המשקל לכלי שינוע.pptx
+++ b/presentation/אפליקצית שליטה המשקל לכלי שינוע.pptx
@@ -19,9 +19,12 @@
     <p:sldId id="266" r:id="rId13"/>
     <p:sldId id="268" r:id="rId14"/>
     <p:sldId id="269" r:id="rId15"/>
-    <p:sldId id="270" r:id="rId16"/>
-    <p:sldId id="272" r:id="rId17"/>
-    <p:sldId id="273" r:id="rId18"/>
+    <p:sldId id="274" r:id="rId16"/>
+    <p:sldId id="270" r:id="rId17"/>
+    <p:sldId id="272" r:id="rId18"/>
+    <p:sldId id="273" r:id="rId19"/>
+    <p:sldId id="275" r:id="rId20"/>
+    <p:sldId id="276" r:id="rId21"/>
   </p:sldIdLst>
   <p:sldSz cx="9144000" cy="6858000" type="screen4x3"/>
   <p:notesSz cx="6858000" cy="9144000"/>
@@ -507,7 +510,7 @@
           <a:p>
             <a:fld id="{4E7438E1-117D-44FB-AC24-B79D899BA877}" type="datetimeFigureOut">
               <a:rPr lang="he-IL" smtClean="0"/>
-              <a:t>ט"ו/חשון/תשע"ז</a:t>
+              <a:t>כ"ט/חשון/תשע"ז</a:t>
             </a:fld>
             <a:endParaRPr lang="he-IL"/>
           </a:p>
@@ -672,7 +675,7 @@
           <a:p>
             <a:fld id="{4E7438E1-117D-44FB-AC24-B79D899BA877}" type="datetimeFigureOut">
               <a:rPr lang="he-IL" smtClean="0"/>
-              <a:t>ט"ו/חשון/תשע"ז</a:t>
+              <a:t>כ"ט/חשון/תשע"ז</a:t>
             </a:fld>
             <a:endParaRPr lang="he-IL"/>
           </a:p>
@@ -847,7 +850,7 @@
           <a:p>
             <a:fld id="{4E7438E1-117D-44FB-AC24-B79D899BA877}" type="datetimeFigureOut">
               <a:rPr lang="he-IL" smtClean="0"/>
-              <a:t>ט"ו/חשון/תשע"ז</a:t>
+              <a:t>כ"ט/חשון/תשע"ז</a:t>
             </a:fld>
             <a:endParaRPr lang="he-IL"/>
           </a:p>
@@ -1016,7 +1019,7 @@
           <a:p>
             <a:fld id="{4E7438E1-117D-44FB-AC24-B79D899BA877}" type="datetimeFigureOut">
               <a:rPr lang="he-IL" smtClean="0"/>
-              <a:t>ט"ו/חשון/תשע"ז</a:t>
+              <a:t>כ"ט/חשון/תשע"ז</a:t>
             </a:fld>
             <a:endParaRPr lang="he-IL"/>
           </a:p>
@@ -1471,7 +1474,7 @@
           <a:p>
             <a:fld id="{4E7438E1-117D-44FB-AC24-B79D899BA877}" type="datetimeFigureOut">
               <a:rPr lang="he-IL" smtClean="0"/>
-              <a:t>ט"ו/חשון/תשע"ז</a:t>
+              <a:t>כ"ט/חשון/תשע"ז</a:t>
             </a:fld>
             <a:endParaRPr lang="he-IL"/>
           </a:p>
@@ -1735,7 +1738,7 @@
           <a:p>
             <a:fld id="{4E7438E1-117D-44FB-AC24-B79D899BA877}" type="datetimeFigureOut">
               <a:rPr lang="he-IL" smtClean="0"/>
-              <a:t>ט"ו/חשון/תשע"ז</a:t>
+              <a:t>כ"ט/חשון/תשע"ז</a:t>
             </a:fld>
             <a:endParaRPr lang="he-IL"/>
           </a:p>
@@ -2109,7 +2112,7 @@
           <a:p>
             <a:fld id="{4E7438E1-117D-44FB-AC24-B79D899BA877}" type="datetimeFigureOut">
               <a:rPr lang="he-IL" smtClean="0"/>
-              <a:t>ט"ו/חשון/תשע"ז</a:t>
+              <a:t>כ"ט/חשון/תשע"ז</a:t>
             </a:fld>
             <a:endParaRPr lang="he-IL"/>
           </a:p>
@@ -2231,7 +2234,7 @@
           <a:p>
             <a:fld id="{4E7438E1-117D-44FB-AC24-B79D899BA877}" type="datetimeFigureOut">
               <a:rPr lang="he-IL" smtClean="0"/>
-              <a:t>ט"ו/חשון/תשע"ז</a:t>
+              <a:t>כ"ט/חשון/תשע"ז</a:t>
             </a:fld>
             <a:endParaRPr lang="he-IL"/>
           </a:p>
@@ -2321,7 +2324,7 @@
           <a:p>
             <a:fld id="{4E7438E1-117D-44FB-AC24-B79D899BA877}" type="datetimeFigureOut">
               <a:rPr lang="he-IL" smtClean="0"/>
-              <a:t>ט"ו/חשון/תשע"ז</a:t>
+              <a:t>כ"ט/חשון/תשע"ז</a:t>
             </a:fld>
             <a:endParaRPr lang="he-IL"/>
           </a:p>
@@ -2570,7 +2573,7 @@
           <a:p>
             <a:fld id="{4E7438E1-117D-44FB-AC24-B79D899BA877}" type="datetimeFigureOut">
               <a:rPr lang="he-IL" smtClean="0"/>
-              <a:t>ט"ו/חשון/תשע"ז</a:t>
+              <a:t>כ"ט/חשון/תשע"ז</a:t>
             </a:fld>
             <a:endParaRPr lang="he-IL"/>
           </a:p>
@@ -2829,7 +2832,7 @@
           <a:p>
             <a:fld id="{4E7438E1-117D-44FB-AC24-B79D899BA877}" type="datetimeFigureOut">
               <a:rPr lang="he-IL" smtClean="0"/>
-              <a:t>ט"ו/חשון/תשע"ז</a:t>
+              <a:t>כ"ט/חשון/תשע"ז</a:t>
             </a:fld>
             <a:endParaRPr lang="he-IL"/>
           </a:p>
@@ -3233,7 +3236,7 @@
           <a:p>
             <a:fld id="{4E7438E1-117D-44FB-AC24-B79D899BA877}" type="datetimeFigureOut">
               <a:rPr lang="he-IL" smtClean="0"/>
-              <a:t>ט"ו/חשון/תשע"ז</a:t>
+              <a:t>כ"ט/חשון/תשע"ז</a:t>
             </a:fld>
             <a:endParaRPr lang="he-IL"/>
           </a:p>
@@ -5039,7 +5042,11 @@
             </a:r>
             <a:r>
               <a:rPr lang="he-IL" dirty="0" smtClean="0"/>
-              <a:t> על ידי הצמת </a:t>
+              <a:t> על ידי </a:t>
+            </a:r>
+            <a:r>
+              <a:rPr lang="he-IL" dirty="0" smtClean="0"/>
+              <a:t>הצמדת </a:t>
             </a:r>
             <a:r>
               <a:rPr lang="he-IL" dirty="0" err="1" smtClean="0"/>
@@ -5339,6 +5346,248 @@
 </file>
 
 <file path=ppt/slides/slide15.xml><?xml version="1.0" encoding="utf-8"?>
+<p:sld xmlns:a="http://schemas.openxmlformats.org/drawingml/2006/main" xmlns:r="http://schemas.openxmlformats.org/officeDocument/2006/relationships" xmlns:p="http://schemas.openxmlformats.org/presentationml/2006/main">
+  <p:cSld>
+    <p:spTree>
+      <p:nvGrpSpPr>
+        <p:cNvPr id="1" name=""/>
+        <p:cNvGrpSpPr/>
+        <p:nvPr/>
+      </p:nvGrpSpPr>
+      <p:grpSpPr>
+        <a:xfrm>
+          <a:off x="0" y="0"/>
+          <a:ext cx="0" cy="0"/>
+          <a:chOff x="0" y="0"/>
+          <a:chExt cx="0" cy="0"/>
+        </a:xfrm>
+      </p:grpSpPr>
+      <p:sp>
+        <p:nvSpPr>
+          <p:cNvPr id="2" name="כותרת 1"/>
+          <p:cNvSpPr>
+            <a:spLocks noGrp="1"/>
+          </p:cNvSpPr>
+          <p:nvPr>
+            <p:ph type="title"/>
+          </p:nvPr>
+        </p:nvSpPr>
+        <p:spPr/>
+        <p:txBody>
+          <a:bodyPr>
+            <a:normAutofit fontScale="90000"/>
+          </a:bodyPr>
+          <a:lstStyle/>
+          <a:p>
+            <a:pPr algn="ctr"/>
+            <a:r>
+              <a:rPr lang="he-IL" dirty="0"/>
+              <a:t>האפליקציה</a:t>
+            </a:r>
+            <a:br>
+              <a:rPr lang="he-IL" dirty="0"/>
+            </a:br>
+            <a:r>
+              <a:rPr lang="he-IL" dirty="0" smtClean="0"/>
+              <a:t>ליקוט הזמנה סריקת ברקוד</a:t>
+            </a:r>
+            <a:endParaRPr lang="he-IL" dirty="0"/>
+          </a:p>
+        </p:txBody>
+      </p:sp>
+      <p:sp>
+        <p:nvSpPr>
+          <p:cNvPr id="6" name="TextBox 5"/>
+          <p:cNvSpPr txBox="1"/>
+          <p:nvPr/>
+        </p:nvSpPr>
+        <p:spPr>
+          <a:xfrm>
+            <a:off x="5004048" y="1628800"/>
+            <a:ext cx="3672408" cy="1200329"/>
+          </a:xfrm>
+          <a:prstGeom prst="rect">
+            <a:avLst/>
+          </a:prstGeom>
+          <a:noFill/>
+        </p:spPr>
+        <p:txBody>
+          <a:bodyPr wrap="square" rtlCol="1">
+            <a:spAutoFit/>
+          </a:bodyPr>
+          <a:lstStyle/>
+          <a:p>
+            <a:r>
+              <a:rPr lang="he-IL" dirty="0" smtClean="0"/>
+              <a:t>ניתן לקלוט פריט דרך סריקת ברקוד </a:t>
+            </a:r>
+          </a:p>
+          <a:p>
+            <a:r>
+              <a:rPr lang="he-IL" dirty="0" smtClean="0"/>
+              <a:t>לאחר זיהוי ברקוד הפריט באמצעות מצלמת המכשיר , מתקבל הברקוד הסרוק</a:t>
+            </a:r>
+            <a:endParaRPr lang="he-IL" dirty="0"/>
+          </a:p>
+        </p:txBody>
+      </p:sp>
+      <p:pic>
+        <p:nvPicPr>
+          <p:cNvPr id="1028" name="Picture 4"/>
+          <p:cNvPicPr>
+            <a:picLocks noChangeAspect="1" noChangeArrowheads="1"/>
+          </p:cNvPicPr>
+          <p:nvPr/>
+        </p:nvPicPr>
+        <p:blipFill>
+          <a:blip r:embed="rId2">
+            <a:extLst>
+              <a:ext uri="{28A0092B-C50C-407E-A947-70E740481C1C}">
+                <a14:useLocalDpi xmlns:a14="http://schemas.microsoft.com/office/drawing/2010/main" val="0"/>
+              </a:ext>
+            </a:extLst>
+          </a:blip>
+          <a:srcRect/>
+          <a:stretch>
+            <a:fillRect/>
+          </a:stretch>
+        </p:blipFill>
+        <p:spPr bwMode="auto">
+          <a:xfrm>
+            <a:off x="3827314" y="3284984"/>
+            <a:ext cx="4987628" cy="3087304"/>
+          </a:xfrm>
+          <a:prstGeom prst="rect">
+            <a:avLst/>
+          </a:prstGeom>
+          <a:noFill/>
+          <a:ln>
+            <a:noFill/>
+          </a:ln>
+          <a:extLst>
+            <a:ext uri="{909E8E84-426E-40DD-AFC4-6F175D3DCCD1}">
+              <a14:hiddenFill xmlns:a14="http://schemas.microsoft.com/office/drawing/2010/main">
+                <a:solidFill>
+                  <a:schemeClr val="accent1"/>
+                </a:solidFill>
+              </a14:hiddenFill>
+            </a:ext>
+            <a:ext uri="{91240B29-F687-4F45-9708-019B960494DF}">
+              <a14:hiddenLine xmlns:a14="http://schemas.microsoft.com/office/drawing/2010/main" w="9525">
+                <a:solidFill>
+                  <a:schemeClr val="tx1"/>
+                </a:solidFill>
+                <a:miter lim="800000"/>
+                <a:headEnd/>
+                <a:tailEnd/>
+              </a14:hiddenLine>
+            </a:ext>
+          </a:extLst>
+        </p:spPr>
+      </p:pic>
+      <p:pic>
+        <p:nvPicPr>
+          <p:cNvPr id="1029" name="Picture 5"/>
+          <p:cNvPicPr>
+            <a:picLocks noChangeAspect="1" noChangeArrowheads="1"/>
+          </p:cNvPicPr>
+          <p:nvPr/>
+        </p:nvPicPr>
+        <p:blipFill>
+          <a:blip r:embed="rId3">
+            <a:extLst>
+              <a:ext uri="{28A0092B-C50C-407E-A947-70E740481C1C}">
+                <a14:useLocalDpi xmlns:a14="http://schemas.microsoft.com/office/drawing/2010/main" val="0"/>
+              </a:ext>
+            </a:extLst>
+          </a:blip>
+          <a:srcRect/>
+          <a:stretch>
+            <a:fillRect/>
+          </a:stretch>
+        </p:blipFill>
+        <p:spPr bwMode="auto">
+          <a:xfrm>
+            <a:off x="179512" y="1514376"/>
+            <a:ext cx="3347864" cy="5220122"/>
+          </a:xfrm>
+          <a:prstGeom prst="rect">
+            <a:avLst/>
+          </a:prstGeom>
+          <a:noFill/>
+          <a:ln>
+            <a:noFill/>
+          </a:ln>
+          <a:extLst>
+            <a:ext uri="{909E8E84-426E-40DD-AFC4-6F175D3DCCD1}">
+              <a14:hiddenFill xmlns:a14="http://schemas.microsoft.com/office/drawing/2010/main">
+                <a:solidFill>
+                  <a:schemeClr val="accent1"/>
+                </a:solidFill>
+              </a14:hiddenFill>
+            </a:ext>
+            <a:ext uri="{91240B29-F687-4F45-9708-019B960494DF}">
+              <a14:hiddenLine xmlns:a14="http://schemas.microsoft.com/office/drawing/2010/main" w="9525">
+                <a:solidFill>
+                  <a:schemeClr val="tx1"/>
+                </a:solidFill>
+                <a:miter lim="800000"/>
+                <a:headEnd/>
+                <a:tailEnd/>
+              </a14:hiddenLine>
+            </a:ext>
+          </a:extLst>
+        </p:spPr>
+      </p:pic>
+      <p:cxnSp>
+        <p:nvCxnSpPr>
+          <p:cNvPr id="7" name="מחבר חץ ישר 6"/>
+          <p:cNvCxnSpPr>
+            <a:endCxn id="6" idx="1"/>
+          </p:cNvCxnSpPr>
+          <p:nvPr/>
+        </p:nvCxnSpPr>
+        <p:spPr>
+          <a:xfrm flipV="1">
+            <a:off x="1475656" y="2228965"/>
+            <a:ext cx="3528392" cy="1272043"/>
+          </a:xfrm>
+          <a:prstGeom prst="straightConnector1">
+            <a:avLst/>
+          </a:prstGeom>
+          <a:ln>
+            <a:tailEnd type="arrow"/>
+          </a:ln>
+        </p:spPr>
+        <p:style>
+          <a:lnRef idx="3">
+            <a:schemeClr val="accent1"/>
+          </a:lnRef>
+          <a:fillRef idx="0">
+            <a:schemeClr val="accent1"/>
+          </a:fillRef>
+          <a:effectRef idx="2">
+            <a:schemeClr val="accent1"/>
+          </a:effectRef>
+          <a:fontRef idx="minor">
+            <a:schemeClr val="tx1"/>
+          </a:fontRef>
+        </p:style>
+      </p:cxnSp>
+    </p:spTree>
+    <p:extLst>
+      <p:ext uri="{BB962C8B-B14F-4D97-AF65-F5344CB8AC3E}">
+        <p14:creationId xmlns:p14="http://schemas.microsoft.com/office/powerpoint/2010/main" val="3529958578"/>
+      </p:ext>
+    </p:extLst>
+  </p:cSld>
+  <p:clrMapOvr>
+    <a:masterClrMapping/>
+  </p:clrMapOvr>
+</p:sld>
+</file>
+
+<file path=ppt/slides/slide16.xml><?xml version="1.0" encoding="utf-8"?>
 <p:sld xmlns:a="http://schemas.openxmlformats.org/drawingml/2006/main" xmlns:r="http://schemas.openxmlformats.org/officeDocument/2006/relationships" xmlns:p="http://schemas.openxmlformats.org/presentationml/2006/main">
   <p:cSld>
     <p:spTree>
@@ -5684,7 +5933,7 @@
 </p:sld>
 </file>
 
-<file path=ppt/slides/slide16.xml><?xml version="1.0" encoding="utf-8"?>
+<file path=ppt/slides/slide17.xml><?xml version="1.0" encoding="utf-8"?>
 <p:sld xmlns:a="http://schemas.openxmlformats.org/drawingml/2006/main" xmlns:r="http://schemas.openxmlformats.org/officeDocument/2006/relationships" xmlns:p="http://schemas.openxmlformats.org/presentationml/2006/main">
   <p:cSld>
     <p:spTree>
@@ -5933,7 +6182,15 @@
             </a:r>
             <a:r>
               <a:rPr lang="he-IL" dirty="0" smtClean="0"/>
-              <a:t> עם המיקום המדויק בוא נלקחה השקילה.</a:t>
+              <a:t> עם המיקום המדויק </a:t>
+            </a:r>
+            <a:r>
+              <a:rPr lang="he-IL" dirty="0" smtClean="0"/>
+              <a:t>בו </a:t>
+            </a:r>
+            <a:r>
+              <a:rPr lang="he-IL" dirty="0" smtClean="0"/>
+              <a:t>נלקחה השקילה.</a:t>
             </a:r>
             <a:r>
               <a:rPr lang="he-IL" dirty="0"/>
@@ -6012,10 +6269,6 @@
               </a:rPr>
               <a:t>"</a:t>
             </a:r>
-            <a:endParaRPr lang="he-IL" sz="2400" dirty="0">
-              <a:latin typeface="Arial" panose="020B0604020202020204" pitchFamily="34" charset="0"/>
-              <a:cs typeface="Arial" panose="020B0604020202020204" pitchFamily="34" charset="0"/>
-            </a:endParaRPr>
           </a:p>
         </p:txBody>
       </p:sp>
@@ -6032,7 +6285,7 @@
 </p:sld>
 </file>
 
-<file path=ppt/slides/slide17.xml><?xml version="1.0" encoding="utf-8"?>
+<file path=ppt/slides/slide18.xml><?xml version="1.0" encoding="utf-8"?>
 <p:sld xmlns:a="http://schemas.openxmlformats.org/drawingml/2006/main" xmlns:r="http://schemas.openxmlformats.org/officeDocument/2006/relationships" xmlns:p="http://schemas.openxmlformats.org/presentationml/2006/main">
   <p:cSld>
     <p:spTree>
@@ -6059,23 +6312,305 @@
             <p:ph type="title"/>
           </p:nvPr>
         </p:nvSpPr>
-        <p:spPr/>
-        <p:txBody>
-          <a:bodyPr/>
+        <p:spPr>
+          <a:xfrm>
+            <a:off x="838200" y="193457"/>
+            <a:ext cx="7467600" cy="1143000"/>
+          </a:xfrm>
+        </p:spPr>
+        <p:txBody>
+          <a:bodyPr>
+            <a:normAutofit fontScale="90000"/>
+          </a:bodyPr>
           <a:lstStyle/>
           <a:p>
-            <a:endParaRPr lang="he-IL"/>
-          </a:p>
-        </p:txBody>
-      </p:sp>
-      <p:sp>
-        <p:nvSpPr>
-          <p:cNvPr id="3" name="מציין מיקום תוכן 2"/>
+            <a:pPr algn="ctr"/>
+            <a:r>
+              <a:rPr lang="he-IL" dirty="0" smtClean="0"/>
+              <a:t>עבודה ב </a:t>
+            </a:r>
+            <a:r>
+              <a:rPr lang="en-US" dirty="0" err="1" smtClean="0"/>
+              <a:t>Git</a:t>
+            </a:r>
+            <a:r>
+              <a:rPr lang="en-US" dirty="0" smtClean="0"/>
+              <a:t> </a:t>
+            </a:r>
+            <a:r>
+              <a:rPr lang="he-IL" dirty="0" smtClean="0"/>
+              <a:t> באמצעות </a:t>
+            </a:r>
+            <a:r>
+              <a:rPr lang="en-US" dirty="0" err="1" smtClean="0"/>
+              <a:t>SourceTree</a:t>
+            </a:r>
+            <a:endParaRPr lang="he-IL" dirty="0"/>
+          </a:p>
+        </p:txBody>
+      </p:sp>
+      <p:pic>
+        <p:nvPicPr>
+          <p:cNvPr id="2050" name="Picture 2"/>
+          <p:cNvPicPr>
+            <a:picLocks noGrp="1" noChangeAspect="1" noChangeArrowheads="1"/>
+          </p:cNvPicPr>
+          <p:nvPr>
+            <p:ph sz="half" idx="1"/>
+          </p:nvPr>
+        </p:nvPicPr>
+        <p:blipFill>
+          <a:blip r:embed="rId2">
+            <a:extLst>
+              <a:ext uri="{28A0092B-C50C-407E-A947-70E740481C1C}">
+                <a14:useLocalDpi xmlns:a14="http://schemas.microsoft.com/office/drawing/2010/main" val="0"/>
+              </a:ext>
+            </a:extLst>
+          </a:blip>
+          <a:srcRect/>
+          <a:stretch>
+            <a:fillRect/>
+          </a:stretch>
+        </p:blipFill>
+        <p:spPr bwMode="auto">
+          <a:xfrm>
+            <a:off x="107504" y="2060848"/>
+            <a:ext cx="8928992" cy="4715654"/>
+          </a:xfrm>
+          <a:prstGeom prst="rect">
+            <a:avLst/>
+          </a:prstGeom>
+          <a:noFill/>
+          <a:ln>
+            <a:noFill/>
+          </a:ln>
+          <a:extLst>
+            <a:ext uri="{909E8E84-426E-40DD-AFC4-6F175D3DCCD1}">
+              <a14:hiddenFill xmlns:a14="http://schemas.microsoft.com/office/drawing/2010/main">
+                <a:solidFill>
+                  <a:schemeClr val="accent1"/>
+                </a:solidFill>
+              </a14:hiddenFill>
+            </a:ext>
+            <a:ext uri="{91240B29-F687-4F45-9708-019B960494DF}">
+              <a14:hiddenLine xmlns:a14="http://schemas.microsoft.com/office/drawing/2010/main" w="9525">
+                <a:solidFill>
+                  <a:schemeClr val="tx1"/>
+                </a:solidFill>
+                <a:miter lim="800000"/>
+                <a:headEnd/>
+                <a:tailEnd/>
+              </a14:hiddenLine>
+            </a:ext>
+          </a:extLst>
+        </p:spPr>
+      </p:pic>
+      <p:sp>
+        <p:nvSpPr>
+          <p:cNvPr id="7" name="TextBox 6"/>
+          <p:cNvSpPr txBox="1"/>
+          <p:nvPr/>
+        </p:nvSpPr>
+        <p:spPr>
+          <a:xfrm>
+            <a:off x="1187624" y="1196750"/>
+            <a:ext cx="1465312" cy="646331"/>
+          </a:xfrm>
+          <a:prstGeom prst="rect">
+            <a:avLst/>
+          </a:prstGeom>
+        </p:spPr>
+        <p:style>
+          <a:lnRef idx="1">
+            <a:schemeClr val="accent2"/>
+          </a:lnRef>
+          <a:fillRef idx="2">
+            <a:schemeClr val="accent2"/>
+          </a:fillRef>
+          <a:effectRef idx="1">
+            <a:schemeClr val="accent2"/>
+          </a:effectRef>
+          <a:fontRef idx="minor">
+            <a:schemeClr val="dk1"/>
+          </a:fontRef>
+        </p:style>
+        <p:txBody>
+          <a:bodyPr wrap="square" rtlCol="1">
+            <a:spAutoFit/>
+          </a:bodyPr>
+          <a:lstStyle/>
+          <a:p>
+            <a:pPr algn="ctr"/>
+            <a:r>
+              <a:rPr lang="en-US" dirty="0" smtClean="0"/>
+              <a:t>Code </a:t>
+            </a:r>
+            <a:r>
+              <a:rPr lang="en-US" dirty="0"/>
+              <a:t>cloud </a:t>
+            </a:r>
+            <a:r>
+              <a:rPr lang="en-US" dirty="0" smtClean="0"/>
+              <a:t>backup</a:t>
+            </a:r>
+            <a:endParaRPr lang="he-IL" dirty="0"/>
+          </a:p>
+        </p:txBody>
+      </p:sp>
+      <p:sp>
+        <p:nvSpPr>
+          <p:cNvPr id="8" name="TextBox 7"/>
+          <p:cNvSpPr txBox="1"/>
+          <p:nvPr/>
+        </p:nvSpPr>
+        <p:spPr>
+          <a:xfrm>
+            <a:off x="6300192" y="1196751"/>
+            <a:ext cx="1484560" cy="646331"/>
+          </a:xfrm>
+          <a:prstGeom prst="rect">
+            <a:avLst/>
+          </a:prstGeom>
+        </p:spPr>
+        <p:style>
+          <a:lnRef idx="1">
+            <a:schemeClr val="accent2"/>
+          </a:lnRef>
+          <a:fillRef idx="2">
+            <a:schemeClr val="accent2"/>
+          </a:fillRef>
+          <a:effectRef idx="1">
+            <a:schemeClr val="accent2"/>
+          </a:effectRef>
+          <a:fontRef idx="minor">
+            <a:schemeClr val="dk1"/>
+          </a:fontRef>
+        </p:style>
+        <p:txBody>
+          <a:bodyPr wrap="square" rtlCol="1">
+            <a:spAutoFit/>
+          </a:bodyPr>
+          <a:lstStyle/>
+          <a:p>
+            <a:pPr algn="ctr"/>
+            <a:r>
+              <a:rPr lang="en-US" dirty="0" smtClean="0"/>
+              <a:t>Team </a:t>
+            </a:r>
+            <a:r>
+              <a:rPr lang="en-US" dirty="0"/>
+              <a:t>collaboration</a:t>
+            </a:r>
+            <a:endParaRPr lang="en-US" dirty="0"/>
+          </a:p>
+        </p:txBody>
+      </p:sp>
+      <p:pic>
+        <p:nvPicPr>
+          <p:cNvPr id="9" name="Picture 4"/>
+          <p:cNvPicPr>
+            <a:picLocks noChangeAspect="1" noChangeArrowheads="1"/>
+          </p:cNvPicPr>
+          <p:nvPr/>
+        </p:nvPicPr>
+        <p:blipFill>
+          <a:blip r:embed="rId3" cstate="print">
+            <a:extLst>
+              <a:ext uri="{28A0092B-C50C-407E-A947-70E740481C1C}">
+                <a14:useLocalDpi xmlns:a14="http://schemas.microsoft.com/office/drawing/2010/main" val="0"/>
+              </a:ext>
+            </a:extLst>
+          </a:blip>
+          <a:srcRect/>
+          <a:stretch>
+            <a:fillRect/>
+          </a:stretch>
+        </p:blipFill>
+        <p:spPr bwMode="auto">
+          <a:xfrm>
+            <a:off x="3137099" y="1098776"/>
+            <a:ext cx="2484438" cy="842278"/>
+          </a:xfrm>
+          <a:prstGeom prst="rect">
+            <a:avLst/>
+          </a:prstGeom>
+          <a:noFill/>
+          <a:ln>
+            <a:noFill/>
+          </a:ln>
+          <a:effectLst/>
+          <a:extLst>
+            <a:ext uri="{909E8E84-426E-40DD-AFC4-6F175D3DCCD1}">
+              <a14:hiddenFill xmlns:a14="http://schemas.microsoft.com/office/drawing/2010/main">
+                <a:blipFill dpi="0" rotWithShape="0">
+                  <a:blip/>
+                  <a:srcRect/>
+                  <a:stretch>
+                    <a:fillRect/>
+                  </a:stretch>
+                </a:blipFill>
+              </a14:hiddenFill>
+            </a:ext>
+            <a:ext uri="{91240B29-F687-4F45-9708-019B960494DF}">
+              <a14:hiddenLine xmlns:a14="http://schemas.microsoft.com/office/drawing/2010/main" w="9525" cap="flat">
+                <a:solidFill>
+                  <a:srgbClr val="3465A4"/>
+                </a:solidFill>
+                <a:round/>
+                <a:headEnd/>
+                <a:tailEnd/>
+              </a14:hiddenLine>
+            </a:ext>
+            <a:ext uri="{AF507438-7753-43E0-B8FC-AC1667EBCBE1}">
+              <a14:hiddenEffects xmlns:a14="http://schemas.microsoft.com/office/drawing/2010/main">
+                <a:effectLst>
+                  <a:outerShdw dist="35921" dir="2700000" algn="ctr" rotWithShape="0">
+                    <a:srgbClr val="808080"/>
+                  </a:outerShdw>
+                </a:effectLst>
+              </a14:hiddenEffects>
+            </a:ext>
+          </a:extLst>
+        </p:spPr>
+      </p:pic>
+    </p:spTree>
+    <p:extLst>
+      <p:ext uri="{BB962C8B-B14F-4D97-AF65-F5344CB8AC3E}">
+        <p14:creationId xmlns:p14="http://schemas.microsoft.com/office/powerpoint/2010/main" val="2628398081"/>
+      </p:ext>
+    </p:extLst>
+  </p:cSld>
+  <p:clrMapOvr>
+    <a:masterClrMapping/>
+  </p:clrMapOvr>
+</p:sld>
+</file>
+
+<file path=ppt/slides/slide19.xml><?xml version="1.0" encoding="utf-8"?>
+<p:sld xmlns:a="http://schemas.openxmlformats.org/drawingml/2006/main" xmlns:r="http://schemas.openxmlformats.org/officeDocument/2006/relationships" xmlns:p="http://schemas.openxmlformats.org/presentationml/2006/main">
+  <p:cSld>
+    <p:spTree>
+      <p:nvGrpSpPr>
+        <p:cNvPr id="1" name=""/>
+        <p:cNvGrpSpPr/>
+        <p:nvPr/>
+      </p:nvGrpSpPr>
+      <p:grpSpPr>
+        <a:xfrm>
+          <a:off x="0" y="0"/>
+          <a:ext cx="0" cy="0"/>
+          <a:chOff x="0" y="0"/>
+          <a:chExt cx="0" cy="0"/>
+        </a:xfrm>
+      </p:grpSpPr>
+      <p:sp>
+        <p:nvSpPr>
+          <p:cNvPr id="2" name="כותרת 1"/>
           <p:cNvSpPr>
             <a:spLocks noGrp="1"/>
           </p:cNvSpPr>
           <p:nvPr>
-            <p:ph sz="half" idx="1"/>
+            <p:ph type="title"/>
           </p:nvPr>
         </p:nvSpPr>
         <p:spPr/>
@@ -6083,33 +6618,446 @@
           <a:bodyPr/>
           <a:lstStyle/>
           <a:p>
-            <a:endParaRPr lang="he-IL"/>
-          </a:p>
-        </p:txBody>
-      </p:sp>
-      <p:sp>
-        <p:nvSpPr>
-          <p:cNvPr id="4" name="מציין מיקום תוכן 3"/>
-          <p:cNvSpPr>
-            <a:spLocks noGrp="1"/>
-          </p:cNvSpPr>
+            <a:pPr algn="ctr"/>
+            <a:r>
+              <a:rPr lang="he-IL" dirty="0" smtClean="0"/>
+              <a:t>איך הכול עובד</a:t>
+            </a:r>
+            <a:endParaRPr lang="he-IL" dirty="0"/>
+          </a:p>
+        </p:txBody>
+      </p:sp>
+      <p:pic>
+        <p:nvPicPr>
+          <p:cNvPr id="5" name="Picture 2" descr="C:\Users\Administrator\Downloads\Client-icon.png"/>
+          <p:cNvPicPr>
+            <a:picLocks noChangeAspect="1" noChangeArrowheads="1"/>
+          </p:cNvPicPr>
+          <p:nvPr/>
+        </p:nvPicPr>
+        <p:blipFill>
+          <a:blip r:embed="rId2" cstate="print"/>
+          <a:srcRect/>
+          <a:stretch>
+            <a:fillRect/>
+          </a:stretch>
+        </p:blipFill>
+        <p:spPr bwMode="auto">
+          <a:xfrm>
+            <a:off x="8333573" y="2139127"/>
+            <a:ext cx="785818" cy="785818"/>
+          </a:xfrm>
+          <a:prstGeom prst="rect">
+            <a:avLst/>
+          </a:prstGeom>
+          <a:noFill/>
+        </p:spPr>
+      </p:pic>
+      <p:cxnSp>
+        <p:nvCxnSpPr>
+          <p:cNvPr id="6" name="מחבר חץ ישר 5"/>
+          <p:cNvCxnSpPr>
+            <a:stCxn id="5" idx="1"/>
+            <a:endCxn id="12" idx="3"/>
+          </p:cNvCxnSpPr>
+          <p:nvPr/>
+        </p:nvCxnSpPr>
+        <p:spPr>
+          <a:xfrm flipH="1">
+            <a:off x="6787920" y="2532036"/>
+            <a:ext cx="1545653" cy="82825"/>
+          </a:xfrm>
+          <a:prstGeom prst="straightConnector1">
+            <a:avLst/>
+          </a:prstGeom>
+          <a:ln>
+            <a:tailEnd type="arrow"/>
+          </a:ln>
+        </p:spPr>
+        <p:style>
+          <a:lnRef idx="3">
+            <a:schemeClr val="accent1"/>
+          </a:lnRef>
+          <a:fillRef idx="0">
+            <a:schemeClr val="accent1"/>
+          </a:fillRef>
+          <a:effectRef idx="2">
+            <a:schemeClr val="accent1"/>
+          </a:effectRef>
+          <a:fontRef idx="minor">
+            <a:schemeClr val="tx1"/>
+          </a:fontRef>
+        </p:style>
+      </p:cxnSp>
+      <p:sp>
+        <p:nvSpPr>
+          <p:cNvPr id="11" name="TextBox 10"/>
+          <p:cNvSpPr txBox="1"/>
+          <p:nvPr/>
+        </p:nvSpPr>
+        <p:spPr>
+          <a:xfrm>
+            <a:off x="6704302" y="1650118"/>
+            <a:ext cx="2022180" cy="646331"/>
+          </a:xfrm>
+          <a:prstGeom prst="rect">
+            <a:avLst/>
+          </a:prstGeom>
+          <a:noFill/>
+        </p:spPr>
+        <p:txBody>
+          <a:bodyPr wrap="square" rtlCol="1">
+            <a:spAutoFit/>
+          </a:bodyPr>
+          <a:lstStyle/>
+          <a:p>
+            <a:pPr marL="0" lvl="1"/>
+            <a:r>
+              <a:rPr lang="he-IL" dirty="0" smtClean="0"/>
+              <a:t>מנהל </a:t>
+            </a:r>
+            <a:r>
+              <a:rPr lang="he-IL" dirty="0" smtClean="0"/>
+              <a:t>מזין הזמנות</a:t>
+            </a:r>
+          </a:p>
+          <a:p>
+            <a:pPr marL="0" lvl="1"/>
+            <a:r>
+              <a:rPr lang="he-IL" dirty="0" smtClean="0"/>
+              <a:t> למערכת ניהול</a:t>
+            </a:r>
+            <a:endParaRPr lang="he-IL" dirty="0" smtClean="0"/>
+          </a:p>
+        </p:txBody>
+      </p:sp>
+      <p:pic>
+        <p:nvPicPr>
+          <p:cNvPr id="12" name="Picture 4"/>
+          <p:cNvPicPr>
+            <a:picLocks noGrp="1" noChangeAspect="1" noChangeArrowheads="1"/>
+          </p:cNvPicPr>
           <p:nvPr>
-            <p:ph sz="half" idx="2"/>
+            <p:ph idx="1"/>
           </p:nvPr>
-        </p:nvSpPr>
-        <p:spPr/>
-        <p:txBody>
-          <a:bodyPr/>
+        </p:nvPicPr>
+        <p:blipFill>
+          <a:blip r:embed="rId3" cstate="print">
+            <a:extLst>
+              <a:ext uri="{28A0092B-C50C-407E-A947-70E740481C1C}">
+                <a14:useLocalDpi xmlns:a14="http://schemas.microsoft.com/office/drawing/2010/main" val="0"/>
+              </a:ext>
+            </a:extLst>
+          </a:blip>
+          <a:srcRect/>
+          <a:stretch>
+            <a:fillRect/>
+          </a:stretch>
+        </p:blipFill>
+        <p:spPr bwMode="auto">
+          <a:xfrm>
+            <a:off x="4067944" y="1800722"/>
+            <a:ext cx="2719976" cy="1628278"/>
+          </a:xfrm>
+          <a:prstGeom prst="rect">
+            <a:avLst/>
+          </a:prstGeom>
+          <a:noFill/>
+          <a:ln>
+            <a:noFill/>
+          </a:ln>
+          <a:extLst>
+            <a:ext uri="{909E8E84-426E-40DD-AFC4-6F175D3DCCD1}">
+              <a14:hiddenFill xmlns:a14="http://schemas.microsoft.com/office/drawing/2010/main">
+                <a:solidFill>
+                  <a:schemeClr val="accent1"/>
+                </a:solidFill>
+              </a14:hiddenFill>
+            </a:ext>
+            <a:ext uri="{91240B29-F687-4F45-9708-019B960494DF}">
+              <a14:hiddenLine xmlns:a14="http://schemas.microsoft.com/office/drawing/2010/main" w="9525">
+                <a:solidFill>
+                  <a:schemeClr val="tx1"/>
+                </a:solidFill>
+                <a:miter lim="800000"/>
+                <a:headEnd/>
+                <a:tailEnd/>
+              </a14:hiddenLine>
+            </a:ext>
+          </a:extLst>
+        </p:spPr>
+      </p:pic>
+      <p:pic>
+        <p:nvPicPr>
+          <p:cNvPr id="13" name="Picture 2" descr="C:\Users\Administrator\Downloads\Client-icon.png"/>
+          <p:cNvPicPr>
+            <a:picLocks noChangeAspect="1" noChangeArrowheads="1"/>
+          </p:cNvPicPr>
+          <p:nvPr/>
+        </p:nvPicPr>
+        <p:blipFill>
+          <a:blip r:embed="rId2" cstate="print"/>
+          <a:srcRect/>
+          <a:stretch>
+            <a:fillRect/>
+          </a:stretch>
+        </p:blipFill>
+        <p:spPr bwMode="auto">
+          <a:xfrm>
+            <a:off x="3419872" y="5805264"/>
+            <a:ext cx="785818" cy="785818"/>
+          </a:xfrm>
+          <a:prstGeom prst="rect">
+            <a:avLst/>
+          </a:prstGeom>
+          <a:noFill/>
+        </p:spPr>
+      </p:pic>
+      <p:cxnSp>
+        <p:nvCxnSpPr>
+          <p:cNvPr id="14" name="מחבר חץ ישר 13"/>
+          <p:cNvCxnSpPr/>
+          <p:nvPr/>
+        </p:nvCxnSpPr>
+        <p:spPr>
+          <a:xfrm flipH="1">
+            <a:off x="2123728" y="2708920"/>
+            <a:ext cx="1872208" cy="1"/>
+          </a:xfrm>
+          <a:prstGeom prst="straightConnector1">
+            <a:avLst/>
+          </a:prstGeom>
+          <a:ln>
+            <a:tailEnd type="arrow"/>
+          </a:ln>
+        </p:spPr>
+        <p:style>
+          <a:lnRef idx="3">
+            <a:schemeClr val="accent1"/>
+          </a:lnRef>
+          <a:fillRef idx="0">
+            <a:schemeClr val="accent1"/>
+          </a:fillRef>
+          <a:effectRef idx="2">
+            <a:schemeClr val="accent1"/>
+          </a:effectRef>
+          <a:fontRef idx="minor">
+            <a:schemeClr val="tx1"/>
+          </a:fontRef>
+        </p:style>
+      </p:cxnSp>
+      <p:pic>
+        <p:nvPicPr>
+          <p:cNvPr id="15" name="Picture 2"/>
+          <p:cNvPicPr>
+            <a:picLocks noGrp="1" noChangeAspect="1" noChangeArrowheads="1"/>
+          </p:cNvPicPr>
+          <p:nvPr>
+            <p:ph idx="1"/>
+          </p:nvPr>
+        </p:nvPicPr>
+        <p:blipFill>
+          <a:blip r:embed="rId4">
+            <a:extLst>
+              <a:ext uri="{28A0092B-C50C-407E-A947-70E740481C1C}">
+                <a14:useLocalDpi xmlns:a14="http://schemas.microsoft.com/office/drawing/2010/main" val="0"/>
+              </a:ext>
+            </a:extLst>
+          </a:blip>
+          <a:srcRect/>
+          <a:stretch>
+            <a:fillRect/>
+          </a:stretch>
+        </p:blipFill>
+        <p:spPr bwMode="auto">
+          <a:xfrm>
+            <a:off x="467544" y="1681451"/>
+            <a:ext cx="1656184" cy="2539637"/>
+          </a:xfrm>
+          <a:prstGeom prst="rect">
+            <a:avLst/>
+          </a:prstGeom>
+          <a:noFill/>
+          <a:ln>
+            <a:noFill/>
+          </a:ln>
+          <a:extLst>
+            <a:ext uri="{909E8E84-426E-40DD-AFC4-6F175D3DCCD1}">
+              <a14:hiddenFill xmlns:a14="http://schemas.microsoft.com/office/drawing/2010/main">
+                <a:solidFill>
+                  <a:schemeClr val="accent1"/>
+                </a:solidFill>
+              </a14:hiddenFill>
+            </a:ext>
+            <a:ext uri="{91240B29-F687-4F45-9708-019B960494DF}">
+              <a14:hiddenLine xmlns:a14="http://schemas.microsoft.com/office/drawing/2010/main" w="9525">
+                <a:solidFill>
+                  <a:schemeClr val="tx1"/>
+                </a:solidFill>
+                <a:miter lim="800000"/>
+                <a:headEnd/>
+                <a:tailEnd/>
+              </a14:hiddenLine>
+            </a:ext>
+          </a:extLst>
+        </p:spPr>
+      </p:pic>
+      <p:cxnSp>
+        <p:nvCxnSpPr>
+          <p:cNvPr id="18" name="מחבר חץ ישר 17"/>
+          <p:cNvCxnSpPr>
+            <a:stCxn id="13" idx="1"/>
+            <a:endCxn id="15" idx="2"/>
+          </p:cNvCxnSpPr>
+          <p:nvPr/>
+        </p:nvCxnSpPr>
+        <p:spPr>
+          <a:xfrm flipH="1" flipV="1">
+            <a:off x="1295636" y="4221088"/>
+            <a:ext cx="2124236" cy="1977085"/>
+          </a:xfrm>
+          <a:prstGeom prst="straightConnector1">
+            <a:avLst/>
+          </a:prstGeom>
+          <a:ln>
+            <a:tailEnd type="arrow"/>
+          </a:ln>
+        </p:spPr>
+        <p:style>
+          <a:lnRef idx="3">
+            <a:schemeClr val="accent1"/>
+          </a:lnRef>
+          <a:fillRef idx="0">
+            <a:schemeClr val="accent1"/>
+          </a:fillRef>
+          <a:effectRef idx="2">
+            <a:schemeClr val="accent1"/>
+          </a:effectRef>
+          <a:fontRef idx="minor">
+            <a:schemeClr val="tx1"/>
+          </a:fontRef>
+        </p:style>
+      </p:cxnSp>
+      <p:sp>
+        <p:nvSpPr>
+          <p:cNvPr id="22" name="TextBox 21"/>
+          <p:cNvSpPr txBox="1"/>
+          <p:nvPr/>
+        </p:nvSpPr>
+        <p:spPr>
+          <a:xfrm>
+            <a:off x="2267745" y="4631611"/>
+            <a:ext cx="2054276" cy="646331"/>
+          </a:xfrm>
+          <a:prstGeom prst="rect">
+            <a:avLst/>
+          </a:prstGeom>
+          <a:noFill/>
+        </p:spPr>
+        <p:txBody>
+          <a:bodyPr wrap="square" rtlCol="1">
+            <a:spAutoFit/>
+          </a:bodyPr>
           <a:lstStyle/>
           <a:p>
-            <a:endParaRPr lang="he-IL"/>
-          </a:p>
-        </p:txBody>
-      </p:sp>
+            <a:pPr marL="0" lvl="1" algn="ctr"/>
+            <a:r>
+              <a:rPr lang="he-IL" dirty="0" smtClean="0"/>
+              <a:t>עובד המחסן מלקט את ההזמנה</a:t>
+            </a:r>
+            <a:endParaRPr lang="he-IL" dirty="0" smtClean="0"/>
+          </a:p>
+        </p:txBody>
+      </p:sp>
+      <p:sp>
+        <p:nvSpPr>
+          <p:cNvPr id="23" name="TextBox 22"/>
+          <p:cNvSpPr txBox="1"/>
+          <p:nvPr/>
+        </p:nvSpPr>
+        <p:spPr>
+          <a:xfrm>
+            <a:off x="2078511" y="1414532"/>
+            <a:ext cx="2022180" cy="1200329"/>
+          </a:xfrm>
+          <a:prstGeom prst="rect">
+            <a:avLst/>
+          </a:prstGeom>
+          <a:noFill/>
+        </p:spPr>
+        <p:txBody>
+          <a:bodyPr wrap="square" rtlCol="1">
+            <a:spAutoFit/>
+          </a:bodyPr>
+          <a:lstStyle/>
+          <a:p>
+            <a:pPr marL="0" lvl="1" algn="ctr"/>
+            <a:r>
+              <a:rPr lang="he-IL" dirty="0" smtClean="0"/>
+              <a:t>ההזמנות מתממשקות עם המכשיר של עובד המחסן</a:t>
+            </a:r>
+            <a:endParaRPr lang="he-IL" dirty="0" smtClean="0"/>
+          </a:p>
+        </p:txBody>
+      </p:sp>
+      <p:pic>
+        <p:nvPicPr>
+          <p:cNvPr id="3074" name="Picture 2"/>
+          <p:cNvPicPr>
+            <a:picLocks noChangeAspect="1" noChangeArrowheads="1"/>
+          </p:cNvPicPr>
+          <p:nvPr/>
+        </p:nvPicPr>
+        <p:blipFill>
+          <a:blip r:embed="rId5" cstate="print">
+            <a:extLst>
+              <a:ext uri="{28A0092B-C50C-407E-A947-70E740481C1C}">
+                <a14:useLocalDpi xmlns:a14="http://schemas.microsoft.com/office/drawing/2010/main" val="0"/>
+              </a:ext>
+            </a:extLst>
+          </a:blip>
+          <a:srcRect/>
+          <a:stretch>
+            <a:fillRect/>
+          </a:stretch>
+        </p:blipFill>
+        <p:spPr bwMode="auto">
+          <a:xfrm>
+            <a:off x="4920515" y="4451950"/>
+            <a:ext cx="3734809" cy="2139132"/>
+          </a:xfrm>
+          <a:prstGeom prst="rect">
+            <a:avLst/>
+          </a:prstGeom>
+          <a:noFill/>
+          <a:ln>
+            <a:noFill/>
+          </a:ln>
+          <a:extLst>
+            <a:ext uri="{909E8E84-426E-40DD-AFC4-6F175D3DCCD1}">
+              <a14:hiddenFill xmlns:a14="http://schemas.microsoft.com/office/drawing/2010/main">
+                <a:solidFill>
+                  <a:schemeClr val="accent1"/>
+                </a:solidFill>
+              </a14:hiddenFill>
+            </a:ext>
+            <a:ext uri="{91240B29-F687-4F45-9708-019B960494DF}">
+              <a14:hiddenLine xmlns:a14="http://schemas.microsoft.com/office/drawing/2010/main" w="9525">
+                <a:solidFill>
+                  <a:schemeClr val="tx1"/>
+                </a:solidFill>
+                <a:miter lim="800000"/>
+                <a:headEnd/>
+                <a:tailEnd/>
+              </a14:hiddenLine>
+            </a:ext>
+          </a:extLst>
+        </p:spPr>
+      </p:pic>
     </p:spTree>
     <p:extLst>
       <p:ext uri="{BB962C8B-B14F-4D97-AF65-F5344CB8AC3E}">
-        <p14:creationId xmlns:p14="http://schemas.microsoft.com/office/powerpoint/2010/main" val="2628398081"/>
+        <p14:creationId xmlns:p14="http://schemas.microsoft.com/office/powerpoint/2010/main" val="3041569038"/>
       </p:ext>
     </p:extLst>
   </p:cSld>
@@ -6311,6 +7259,182 @@
       </p:par>
     </p:tnLst>
   </p:timing>
+</p:sld>
+</file>
+
+<file path=ppt/slides/slide20.xml><?xml version="1.0" encoding="utf-8"?>
+<p:sld xmlns:a="http://schemas.openxmlformats.org/drawingml/2006/main" xmlns:r="http://schemas.openxmlformats.org/officeDocument/2006/relationships" xmlns:p="http://schemas.openxmlformats.org/presentationml/2006/main">
+  <p:cSld>
+    <p:spTree>
+      <p:nvGrpSpPr>
+        <p:cNvPr id="1" name=""/>
+        <p:cNvGrpSpPr/>
+        <p:nvPr/>
+      </p:nvGrpSpPr>
+      <p:grpSpPr>
+        <a:xfrm>
+          <a:off x="0" y="0"/>
+          <a:ext cx="0" cy="0"/>
+          <a:chOff x="0" y="0"/>
+          <a:chExt cx="0" cy="0"/>
+        </a:xfrm>
+      </p:grpSpPr>
+      <p:pic>
+        <p:nvPicPr>
+          <p:cNvPr id="4098" name="Picture 2" descr="C:\Users\User\Desktop\510894001001195640360no.jpg"/>
+          <p:cNvPicPr>
+            <a:picLocks noChangeAspect="1" noChangeArrowheads="1"/>
+          </p:cNvPicPr>
+          <p:nvPr/>
+        </p:nvPicPr>
+        <p:blipFill>
+          <a:blip r:embed="rId2">
+            <a:extLst>
+              <a:ext uri="{28A0092B-C50C-407E-A947-70E740481C1C}">
+                <a14:useLocalDpi xmlns:a14="http://schemas.microsoft.com/office/drawing/2010/main" val="0"/>
+              </a:ext>
+            </a:extLst>
+          </a:blip>
+          <a:srcRect/>
+          <a:stretch>
+            <a:fillRect/>
+          </a:stretch>
+        </p:blipFill>
+        <p:spPr bwMode="auto">
+          <a:xfrm>
+            <a:off x="0" y="-171400"/>
+            <a:ext cx="9144000" cy="7029400"/>
+          </a:xfrm>
+          <a:prstGeom prst="rect">
+            <a:avLst/>
+          </a:prstGeom>
+          <a:noFill/>
+          <a:extLst>
+            <a:ext uri="{909E8E84-426E-40DD-AFC4-6F175D3DCCD1}">
+              <a14:hiddenFill xmlns:a14="http://schemas.microsoft.com/office/drawing/2010/main">
+                <a:solidFill>
+                  <a:srgbClr val="FFFFFF"/>
+                </a:solidFill>
+              </a14:hiddenFill>
+            </a:ext>
+          </a:extLst>
+        </p:spPr>
+      </p:pic>
+      <p:sp>
+        <p:nvSpPr>
+          <p:cNvPr id="5" name="מלבן 4"/>
+          <p:cNvSpPr/>
+          <p:nvPr/>
+        </p:nvSpPr>
+        <p:spPr>
+          <a:xfrm>
+            <a:off x="2195736" y="-152300"/>
+            <a:ext cx="8604448" cy="1569660"/>
+          </a:xfrm>
+          <a:prstGeom prst="rect">
+            <a:avLst/>
+          </a:prstGeom>
+          <a:noFill/>
+        </p:spPr>
+        <p:txBody>
+          <a:bodyPr wrap="square" lIns="91440" tIns="45720" rIns="91440" bIns="45720">
+            <a:spAutoFit/>
+          </a:bodyPr>
+          <a:lstStyle/>
+          <a:p>
+            <a:pPr algn="ctr"/>
+            <a:r>
+              <a:rPr lang="en-US" sz="9600" b="1" spc="300" dirty="0" smtClean="0">
+                <a:ln w="11430" cmpd="sng">
+                  <a:solidFill>
+                    <a:schemeClr val="accent1">
+                      <a:tint val="10000"/>
+                    </a:schemeClr>
+                  </a:solidFill>
+                  <a:prstDash val="solid"/>
+                  <a:miter lim="800000"/>
+                </a:ln>
+                <a:gradFill>
+                  <a:gsLst>
+                    <a:gs pos="10000">
+                      <a:schemeClr val="accent1">
+                        <a:tint val="83000"/>
+                        <a:shade val="100000"/>
+                        <a:satMod val="200000"/>
+                      </a:schemeClr>
+                    </a:gs>
+                    <a:gs pos="75000">
+                      <a:schemeClr val="accent1">
+                        <a:tint val="100000"/>
+                        <a:shade val="50000"/>
+                        <a:satMod val="150000"/>
+                      </a:schemeClr>
+                    </a:gs>
+                  </a:gsLst>
+                  <a:lin ang="5400000"/>
+                </a:gradFill>
+                <a:effectLst>
+                  <a:glow rad="45500">
+                    <a:schemeClr val="accent1">
+                      <a:satMod val="220000"/>
+                      <a:alpha val="35000"/>
+                    </a:schemeClr>
+                  </a:glow>
+                </a:effectLst>
+              </a:rPr>
+              <a:t>THE END</a:t>
+            </a:r>
+            <a:endParaRPr lang="he-IL" sz="9600" b="1" cap="none" spc="300" dirty="0">
+              <a:ln w="11430" cmpd="sng">
+                <a:solidFill>
+                  <a:schemeClr val="accent1">
+                    <a:tint val="10000"/>
+                  </a:schemeClr>
+                </a:solidFill>
+                <a:prstDash val="solid"/>
+                <a:miter lim="800000"/>
+              </a:ln>
+              <a:gradFill>
+                <a:gsLst>
+                  <a:gs pos="10000">
+                    <a:schemeClr val="accent1">
+                      <a:tint val="83000"/>
+                      <a:shade val="100000"/>
+                      <a:satMod val="200000"/>
+                    </a:schemeClr>
+                  </a:gs>
+                  <a:gs pos="75000">
+                    <a:schemeClr val="accent1">
+                      <a:tint val="100000"/>
+                      <a:shade val="50000"/>
+                      <a:satMod val="150000"/>
+                    </a:schemeClr>
+                  </a:gs>
+                </a:gsLst>
+                <a:lin ang="5400000"/>
+              </a:gradFill>
+              <a:effectLst>
+                <a:glow rad="45500">
+                  <a:schemeClr val="accent1">
+                    <a:satMod val="220000"/>
+                    <a:alpha val="35000"/>
+                  </a:schemeClr>
+                </a:glow>
+              </a:effectLst>
+            </a:endParaRPr>
+          </a:p>
+        </p:txBody>
+      </p:sp>
+    </p:spTree>
+    <p:extLst>
+      <p:ext uri="{BB962C8B-B14F-4D97-AF65-F5344CB8AC3E}">
+        <p14:creationId xmlns:p14="http://schemas.microsoft.com/office/powerpoint/2010/main" val="2787482206"/>
+      </p:ext>
+    </p:extLst>
+  </p:cSld>
+  <p:clrMapOvr>
+    <a:masterClrMapping/>
+  </p:clrMapOvr>
 </p:sld>
 </file>
 
